--- a/BioRythms.pptx
+++ b/BioRythms.pptx
@@ -11,10 +11,11 @@
     <p:sldId id="259" r:id="rId5"/>
     <p:sldId id="260" r:id="rId6"/>
     <p:sldId id="261" r:id="rId7"/>
-    <p:sldId id="262" r:id="rId8"/>
-    <p:sldId id="263" r:id="rId9"/>
-    <p:sldId id="264" r:id="rId10"/>
-    <p:sldId id="265" r:id="rId11"/>
+    <p:sldId id="266" r:id="rId8"/>
+    <p:sldId id="262" r:id="rId9"/>
+    <p:sldId id="263" r:id="rId10"/>
+    <p:sldId id="264" r:id="rId11"/>
+    <p:sldId id="265" r:id="rId12"/>
   </p:sldIdLst>
   <p:sldSz cx="9144000" cy="6858000" type="screen4x3"/>
   <p:notesSz cx="6858000" cy="9144000"/>
@@ -132,6 +133,7 @@
           <p14:sldIdLst>
             <p14:sldId id="260"/>
             <p14:sldId id="261"/>
+            <p14:sldId id="266"/>
             <p14:sldId id="262"/>
             <p14:sldId id="263"/>
           </p14:sldIdLst>
@@ -775,6 +777,7 @@
           <a:p>
             <a:fld id="{B4C71EC6-210F-42DE-9C53-41977AD35B3D}" type="datetimeFigureOut">
               <a:rPr lang="ru-RU" smtClean="0"/>
+              <a:pPr/>
               <a:t>20.12.2018</a:t>
             </a:fld>
             <a:endParaRPr lang="ru-RU" dirty="0"/>
@@ -831,6 +834,7 @@
           <a:p>
             <a:fld id="{B19B0651-EE4F-4900-A07F-96A6BFA9D0F0}" type="slidenum">
               <a:rPr lang="ru-RU" smtClean="0"/>
+              <a:pPr/>
               <a:t>‹#›</a:t>
             </a:fld>
             <a:endParaRPr lang="ru-RU" dirty="0"/>
@@ -954,6 +958,7 @@
           <a:p>
             <a:fld id="{B4C71EC6-210F-42DE-9C53-41977AD35B3D}" type="datetimeFigureOut">
               <a:rPr lang="ru-RU" smtClean="0"/>
+              <a:pPr/>
               <a:t>20.12.2018</a:t>
             </a:fld>
             <a:endParaRPr lang="ru-RU" dirty="0"/>
@@ -996,6 +1001,7 @@
           <a:p>
             <a:fld id="{B19B0651-EE4F-4900-A07F-96A6BFA9D0F0}" type="slidenum">
               <a:rPr lang="ru-RU" smtClean="0"/>
+              <a:pPr/>
               <a:t>‹#›</a:t>
             </a:fld>
             <a:endParaRPr lang="ru-RU" dirty="0"/>
@@ -1133,6 +1139,7 @@
           <a:p>
             <a:fld id="{B4C71EC6-210F-42DE-9C53-41977AD35B3D}" type="datetimeFigureOut">
               <a:rPr lang="ru-RU" smtClean="0"/>
+              <a:pPr/>
               <a:t>20.12.2018</a:t>
             </a:fld>
             <a:endParaRPr lang="ru-RU" dirty="0"/>
@@ -1175,6 +1182,7 @@
           <a:p>
             <a:fld id="{B19B0651-EE4F-4900-A07F-96A6BFA9D0F0}" type="slidenum">
               <a:rPr lang="ru-RU" smtClean="0"/>
+              <a:pPr/>
               <a:t>‹#›</a:t>
             </a:fld>
             <a:endParaRPr lang="ru-RU" dirty="0"/>
@@ -1298,6 +1306,7 @@
           <a:p>
             <a:fld id="{B4C71EC6-210F-42DE-9C53-41977AD35B3D}" type="datetimeFigureOut">
               <a:rPr lang="ru-RU" smtClean="0"/>
+              <a:pPr/>
               <a:t>20.12.2018</a:t>
             </a:fld>
             <a:endParaRPr lang="ru-RU" dirty="0"/>
@@ -1340,6 +1349,7 @@
           <a:p>
             <a:fld id="{B19B0651-EE4F-4900-A07F-96A6BFA9D0F0}" type="slidenum">
               <a:rPr lang="ru-RU" smtClean="0"/>
+              <a:pPr/>
               <a:t>‹#›</a:t>
             </a:fld>
             <a:endParaRPr lang="ru-RU" dirty="0"/>
@@ -1537,6 +1547,7 @@
           <a:p>
             <a:fld id="{B4C71EC6-210F-42DE-9C53-41977AD35B3D}" type="datetimeFigureOut">
               <a:rPr lang="ru-RU" smtClean="0"/>
+              <a:pPr/>
               <a:t>20.12.2018</a:t>
             </a:fld>
             <a:endParaRPr lang="ru-RU" dirty="0"/>
@@ -1579,6 +1590,7 @@
           <a:p>
             <a:fld id="{B19B0651-EE4F-4900-A07F-96A6BFA9D0F0}" type="slidenum">
               <a:rPr lang="ru-RU" smtClean="0"/>
+              <a:pPr/>
               <a:t>‹#›</a:t>
             </a:fld>
             <a:endParaRPr lang="ru-RU" dirty="0"/>
@@ -1650,6 +1662,7 @@
           <a:p>
             <a:fld id="{B4C71EC6-210F-42DE-9C53-41977AD35B3D}" type="datetimeFigureOut">
               <a:rPr lang="ru-RU" smtClean="0"/>
+              <a:pPr/>
               <a:t>20.12.2018</a:t>
             </a:fld>
             <a:endParaRPr lang="ru-RU" dirty="0"/>
@@ -1692,6 +1705,7 @@
           <a:p>
             <a:fld id="{B19B0651-EE4F-4900-A07F-96A6BFA9D0F0}" type="slidenum">
               <a:rPr lang="ru-RU" smtClean="0"/>
+              <a:pPr/>
               <a:t>‹#›</a:t>
             </a:fld>
             <a:endParaRPr lang="ru-RU" dirty="0"/>
@@ -2023,6 +2037,7 @@
           <a:p>
             <a:fld id="{B4C71EC6-210F-42DE-9C53-41977AD35B3D}" type="datetimeFigureOut">
               <a:rPr lang="ru-RU" smtClean="0"/>
+              <a:pPr/>
               <a:t>20.12.2018</a:t>
             </a:fld>
             <a:endParaRPr lang="ru-RU" dirty="0"/>
@@ -2065,6 +2080,7 @@
           <a:p>
             <a:fld id="{B19B0651-EE4F-4900-A07F-96A6BFA9D0F0}" type="slidenum">
               <a:rPr lang="ru-RU" smtClean="0"/>
+              <a:pPr/>
               <a:t>‹#›</a:t>
             </a:fld>
             <a:endParaRPr lang="ru-RU" dirty="0"/>
@@ -2250,6 +2266,7 @@
           <a:p>
             <a:fld id="{B4C71EC6-210F-42DE-9C53-41977AD35B3D}" type="datetimeFigureOut">
               <a:rPr lang="ru-RU" smtClean="0"/>
+              <a:pPr/>
               <a:t>20.12.2018</a:t>
             </a:fld>
             <a:endParaRPr lang="ru-RU" dirty="0"/>
@@ -2292,6 +2309,7 @@
           <a:p>
             <a:fld id="{B19B0651-EE4F-4900-A07F-96A6BFA9D0F0}" type="slidenum">
               <a:rPr lang="ru-RU" smtClean="0"/>
+              <a:pPr/>
               <a:t>‹#›</a:t>
             </a:fld>
             <a:endParaRPr lang="ru-RU" dirty="0"/>
@@ -2340,6 +2358,7 @@
           <a:p>
             <a:fld id="{B4C71EC6-210F-42DE-9C53-41977AD35B3D}" type="datetimeFigureOut">
               <a:rPr lang="ru-RU" smtClean="0"/>
+              <a:pPr/>
               <a:t>20.12.2018</a:t>
             </a:fld>
             <a:endParaRPr lang="ru-RU" dirty="0"/>
@@ -2382,6 +2401,7 @@
           <a:p>
             <a:fld id="{B19B0651-EE4F-4900-A07F-96A6BFA9D0F0}" type="slidenum">
               <a:rPr lang="ru-RU" smtClean="0"/>
+              <a:pPr/>
               <a:t>‹#›</a:t>
             </a:fld>
             <a:endParaRPr lang="ru-RU" dirty="0"/>
@@ -3167,6 +3187,7 @@
           <a:p>
             <a:fld id="{B4C71EC6-210F-42DE-9C53-41977AD35B3D}" type="datetimeFigureOut">
               <a:rPr lang="ru-RU" smtClean="0"/>
+              <a:pPr/>
               <a:t>20.12.2018</a:t>
             </a:fld>
             <a:endParaRPr lang="ru-RU" dirty="0"/>
@@ -3219,6 +3240,7 @@
           <a:p>
             <a:fld id="{B19B0651-EE4F-4900-A07F-96A6BFA9D0F0}" type="slidenum">
               <a:rPr lang="ru-RU" smtClean="0"/>
+              <a:pPr/>
               <a:t>‹#›</a:t>
             </a:fld>
             <a:endParaRPr lang="ru-RU" dirty="0"/>
@@ -3998,6 +4020,7 @@
           <a:p>
             <a:fld id="{B4C71EC6-210F-42DE-9C53-41977AD35B3D}" type="datetimeFigureOut">
               <a:rPr lang="ru-RU" smtClean="0"/>
+              <a:pPr/>
               <a:t>20.12.2018</a:t>
             </a:fld>
             <a:endParaRPr lang="ru-RU" dirty="0"/>
@@ -4050,6 +4073,7 @@
           <a:p>
             <a:fld id="{B19B0651-EE4F-4900-A07F-96A6BFA9D0F0}" type="slidenum">
               <a:rPr lang="ru-RU" smtClean="0"/>
+              <a:pPr/>
               <a:t>‹#›</a:t>
             </a:fld>
             <a:endParaRPr lang="ru-RU" dirty="0"/>
@@ -4652,6 +4676,7 @@
           <a:p>
             <a:fld id="{B4C71EC6-210F-42DE-9C53-41977AD35B3D}" type="datetimeFigureOut">
               <a:rPr lang="ru-RU" smtClean="0"/>
+              <a:pPr/>
               <a:t>20.12.2018</a:t>
             </a:fld>
             <a:endParaRPr lang="ru-RU" dirty="0"/>
@@ -4728,6 +4753,7 @@
           <a:p>
             <a:fld id="{B19B0651-EE4F-4900-A07F-96A6BFA9D0F0}" type="slidenum">
               <a:rPr lang="ru-RU" smtClean="0"/>
+              <a:pPr/>
               <a:t>‹#›</a:t>
             </a:fld>
             <a:endParaRPr lang="ru-RU" dirty="0"/>
@@ -5251,6 +5277,9 @@
   <p:clrMapOvr>
     <a:masterClrMapping/>
   </p:clrMapOvr>
+  <p:transition>
+    <p:fade thruBlk="1"/>
+  </p:transition>
   <p:timing>
     <p:tnLst>
       <p:par>
@@ -5299,30 +5328,210 @@
               <a:rPr lang="ru-RU" sz="4000" dirty="0" smtClean="0">
                 <a:latin typeface="Cambria" pitchFamily="18" charset="0"/>
               </a:rPr>
-              <a:t>Заключение</a:t>
+              <a:t>Возможности</a:t>
+            </a:r>
+            <a:r>
+              <a:rPr lang="ru-RU" sz="3800" dirty="0" smtClean="0">
+                <a:latin typeface="Cambria" pitchFamily="18" charset="0"/>
+              </a:rPr>
+              <a:t> развития</a:t>
+            </a:r>
+            <a:endParaRPr lang="ru-RU" sz="3800" dirty="0">
+              <a:latin typeface="Cambria" pitchFamily="18" charset="0"/>
+            </a:endParaRPr>
+          </a:p>
+        </p:txBody>
+      </p:sp>
+      <p:sp>
+        <p:nvSpPr>
+          <p:cNvPr id="3" name="Объект 2"/>
+          <p:cNvSpPr>
+            <a:spLocks noGrp="1"/>
+          </p:cNvSpPr>
+          <p:nvPr>
+            <p:ph idx="1"/>
+          </p:nvPr>
+        </p:nvSpPr>
+        <p:spPr/>
+        <p:txBody>
+          <a:bodyPr>
+            <a:normAutofit/>
+          </a:bodyPr>
+          <a:lstStyle/>
+          <a:p>
+            <a:pPr>
+              <a:buNone/>
+            </a:pPr>
+            <a:r>
+              <a:rPr lang="ru-RU" dirty="0" smtClean="0">
+                <a:latin typeface="Calibri" pitchFamily="34" charset="0"/>
+              </a:rPr>
+              <a:t>Несмотря на то</a:t>
+            </a:r>
+            <a:r>
+              <a:rPr lang="en-US" dirty="0" smtClean="0">
+                <a:latin typeface="Calibri" pitchFamily="34" charset="0"/>
+              </a:rPr>
+              <a:t>,</a:t>
+            </a:r>
+            <a:r>
+              <a:rPr lang="ru-RU" dirty="0" smtClean="0">
+                <a:latin typeface="Calibri" pitchFamily="34" charset="0"/>
+              </a:rPr>
+              <a:t> что программа обладает необходимыми функциями</a:t>
+            </a:r>
+            <a:r>
+              <a:rPr lang="en-US" dirty="0" smtClean="0">
+                <a:latin typeface="Calibri" pitchFamily="34" charset="0"/>
+              </a:rPr>
+              <a:t>,</a:t>
+            </a:r>
+            <a:r>
+              <a:rPr lang="ru-RU" dirty="0" smtClean="0">
+                <a:latin typeface="Calibri" pitchFamily="34" charset="0"/>
+              </a:rPr>
+              <a:t> её можно было бы дополнить массой других полезных возможностей таких как</a:t>
+            </a:r>
+            <a:r>
+              <a:rPr lang="en-US" dirty="0" smtClean="0">
+                <a:latin typeface="Calibri" pitchFamily="34" charset="0"/>
+              </a:rPr>
+              <a:t>:</a:t>
+            </a:r>
+          </a:p>
+          <a:p>
+            <a:r>
+              <a:rPr lang="ru-RU" dirty="0" smtClean="0">
+                <a:latin typeface="Calibri" pitchFamily="34" charset="0"/>
+              </a:rPr>
+              <a:t>Сохранение полученного результата в виде файла.</a:t>
+            </a:r>
+          </a:p>
+          <a:p>
+            <a:r>
+              <a:rPr lang="ru-RU" dirty="0" smtClean="0">
+                <a:latin typeface="Calibri" pitchFamily="34" charset="0"/>
+              </a:rPr>
+              <a:t>Отображение календаря в соответствии с </a:t>
+            </a:r>
+            <a:r>
+              <a:rPr lang="en-US" dirty="0" smtClean="0">
+                <a:latin typeface="Calibri" pitchFamily="34" charset="0"/>
+              </a:rPr>
+              <a:t>“</a:t>
+            </a:r>
+            <a:r>
+              <a:rPr lang="ru-RU" dirty="0" smtClean="0">
+                <a:latin typeface="Calibri" pitchFamily="34" charset="0"/>
+              </a:rPr>
+              <a:t>датой прогноза</a:t>
+            </a:r>
+            <a:r>
+              <a:rPr lang="en-US" dirty="0" smtClean="0">
+                <a:latin typeface="Calibri" pitchFamily="34" charset="0"/>
+              </a:rPr>
+              <a:t>”.</a:t>
+            </a:r>
+            <a:endParaRPr lang="ru-RU" dirty="0" smtClean="0">
+              <a:latin typeface="Calibri" pitchFamily="34" charset="0"/>
+            </a:endParaRPr>
+          </a:p>
+          <a:p>
+            <a:r>
+              <a:rPr lang="ru-RU" dirty="0" smtClean="0">
+                <a:latin typeface="Calibri" pitchFamily="34" charset="0"/>
+              </a:rPr>
+              <a:t>Ведение </a:t>
+            </a:r>
+            <a:r>
+              <a:rPr lang="ru-RU" dirty="0" err="1" smtClean="0">
+                <a:latin typeface="Calibri" pitchFamily="34" charset="0"/>
+              </a:rPr>
+              <a:t>аккаунтов</a:t>
+            </a:r>
+            <a:r>
+              <a:rPr lang="ru-RU" dirty="0" smtClean="0">
+                <a:latin typeface="Calibri" pitchFamily="34" charset="0"/>
+              </a:rPr>
+              <a:t> хранящих результаты.</a:t>
+            </a:r>
+          </a:p>
+          <a:p>
+            <a:endParaRPr lang="ru-RU" dirty="0"/>
+          </a:p>
+        </p:txBody>
+      </p:sp>
+    </p:spTree>
+    <p:extLst>
+      <p:ext uri="{BB962C8B-B14F-4D97-AF65-F5344CB8AC3E}">
+        <p14:creationId xmlns:p14="http://schemas.microsoft.com/office/powerpoint/2010/main" val="2037346853"/>
+      </p:ext>
+    </p:extLst>
+  </p:cSld>
+  <p:clrMapOvr>
+    <a:masterClrMapping/>
+  </p:clrMapOvr>
+  <p:transition>
+    <p:fade/>
+  </p:transition>
+  <p:timing>
+    <p:tnLst>
+      <p:par>
+        <p:cTn id="1" dur="indefinite" restart="never" nodeType="tmRoot"/>
+      </p:par>
+    </p:tnLst>
+  </p:timing>
+</p:sld>
+</file>
+
+<file path=ppt/slides/slide11.xml><?xml version="1.0" encoding="utf-8"?>
+<p:sld xmlns:a="http://schemas.openxmlformats.org/drawingml/2006/main" xmlns:r="http://schemas.openxmlformats.org/officeDocument/2006/relationships" xmlns:p="http://schemas.openxmlformats.org/presentationml/2006/main">
+  <p:cSld>
+    <p:spTree>
+      <p:nvGrpSpPr>
+        <p:cNvPr id="1" name=""/>
+        <p:cNvGrpSpPr/>
+        <p:nvPr/>
+      </p:nvGrpSpPr>
+      <p:grpSpPr>
+        <a:xfrm>
+          <a:off x="0" y="0"/>
+          <a:ext cx="0" cy="0"/>
+          <a:chOff x="0" y="0"/>
+          <a:chExt cx="0" cy="0"/>
+        </a:xfrm>
+      </p:grpSpPr>
+      <p:sp>
+        <p:nvSpPr>
+          <p:cNvPr id="2" name="Заголовок 1"/>
+          <p:cNvSpPr>
+            <a:spLocks noGrp="1"/>
+          </p:cNvSpPr>
+          <p:nvPr>
+            <p:ph type="title"/>
+          </p:nvPr>
+        </p:nvSpPr>
+        <p:spPr>
+          <a:xfrm>
+            <a:off x="1071538" y="2857496"/>
+            <a:ext cx="6965245" cy="1202485"/>
+          </a:xfrm>
+        </p:spPr>
+        <p:txBody>
+          <a:bodyPr>
+            <a:normAutofit/>
+          </a:bodyPr>
+          <a:lstStyle/>
+          <a:p>
+            <a:r>
+              <a:rPr lang="ru-RU" sz="4000" dirty="0" smtClean="0">
+                <a:latin typeface="Cambria" pitchFamily="18" charset="0"/>
+              </a:rPr>
+              <a:t>Спасибо за внимание.</a:t>
             </a:r>
             <a:endParaRPr lang="ru-RU" sz="4000" dirty="0">
               <a:latin typeface="Cambria" pitchFamily="18" charset="0"/>
             </a:endParaRPr>
-          </a:p>
-        </p:txBody>
-      </p:sp>
-      <p:sp>
-        <p:nvSpPr>
-          <p:cNvPr id="3" name="Объект 2"/>
-          <p:cNvSpPr>
-            <a:spLocks noGrp="1"/>
-          </p:cNvSpPr>
-          <p:nvPr>
-            <p:ph idx="1"/>
-          </p:nvPr>
-        </p:nvSpPr>
-        <p:spPr/>
-        <p:txBody>
-          <a:bodyPr/>
-          <a:lstStyle/>
-          <a:p>
-            <a:endParaRPr lang="ru-RU"/>
           </a:p>
         </p:txBody>
       </p:sp>
@@ -5336,6 +5545,9 @@
   <p:clrMapOvr>
     <a:masterClrMapping/>
   </p:clrMapOvr>
+  <p:transition>
+    <p:wipe dir="d"/>
+  </p:transition>
   <p:timing>
     <p:tnLst>
       <p:par>
@@ -5381,12 +5593,12 @@
           <a:lstStyle/>
           <a:p>
             <a:r>
-              <a:rPr lang="ru-RU" dirty="0" smtClean="0">
+              <a:rPr lang="ru-RU" sz="4000" dirty="0" smtClean="0">
                 <a:latin typeface="Cambria" pitchFamily="18" charset="0"/>
               </a:rPr>
               <a:t>Введение</a:t>
             </a:r>
-            <a:endParaRPr lang="ru-RU" dirty="0">
+            <a:endParaRPr lang="ru-RU" sz="4000" dirty="0">
               <a:latin typeface="Cambria" pitchFamily="18" charset="0"/>
             </a:endParaRPr>
           </a:p>
@@ -5453,6 +5665,9 @@
   <p:clrMapOvr>
     <a:masterClrMapping/>
   </p:clrMapOvr>
+  <p:transition>
+    <p:fade/>
+  </p:transition>
   <p:timing>
     <p:tnLst>
       <p:par>
@@ -5540,6 +5755,9 @@
   <p:clrMapOvr>
     <a:masterClrMapping/>
   </p:clrMapOvr>
+  <p:transition>
+    <p:fade/>
+  </p:transition>
   <p:timing>
     <p:tnLst>
       <p:par>
@@ -5576,7 +5794,7 @@
           <p:nvPr/>
         </p:nvPicPr>
         <p:blipFill>
-          <a:blip r:embed="rId2">
+          <a:blip r:embed="rId2" cstate="print">
             <a:extLst>
               <a:ext uri="{28A0092B-C50C-407E-A947-70E740481C1C}">
                 <a14:useLocalDpi xmlns:a14="http://schemas.microsoft.com/office/drawing/2010/main" val="0"/>
@@ -5624,14 +5842,20 @@
           <a:lstStyle/>
           <a:p>
             <a:r>
-              <a:rPr lang="ru-RU" dirty="0" smtClean="0"/>
+              <a:rPr lang="ru-RU" dirty="0" smtClean="0">
+                <a:latin typeface="Cambria" pitchFamily="18" charset="0"/>
+              </a:rPr>
               <a:t>О </a:t>
             </a:r>
             <a:r>
-              <a:rPr lang="ru-RU" dirty="0" smtClean="0"/>
+              <a:rPr lang="ru-RU" sz="4000" dirty="0" smtClean="0">
+                <a:latin typeface="Cambria" pitchFamily="18" charset="0"/>
+              </a:rPr>
               <a:t>программе</a:t>
             </a:r>
-            <a:endParaRPr lang="ru-RU" dirty="0"/>
+            <a:endParaRPr lang="ru-RU" sz="4000" dirty="0">
+              <a:latin typeface="Cambria" pitchFamily="18" charset="0"/>
+            </a:endParaRPr>
           </a:p>
         </p:txBody>
       </p:sp>
@@ -5688,6 +5912,9 @@
   <p:clrMapOvr>
     <a:masterClrMapping/>
   </p:clrMapOvr>
+  <p:transition>
+    <p:fade/>
+  </p:transition>
   <p:timing>
     <p:tnLst>
       <p:par>
@@ -5731,12 +5958,12 @@
           <a:lstStyle/>
           <a:p>
             <a:r>
-              <a:rPr lang="ru-RU" dirty="0" smtClean="0">
+              <a:rPr lang="ru-RU" sz="4000" dirty="0" smtClean="0">
                 <a:latin typeface="Cambria" pitchFamily="18" charset="0"/>
               </a:rPr>
               <a:t>Реализация</a:t>
             </a:r>
-            <a:endParaRPr lang="ru-RU" dirty="0">
+            <a:endParaRPr lang="ru-RU" sz="4000" dirty="0">
               <a:latin typeface="Cambria" pitchFamily="18" charset="0"/>
             </a:endParaRPr>
           </a:p>
@@ -5755,7 +5982,7 @@
         <p:spPr/>
         <p:txBody>
           <a:bodyPr numCol="1">
-            <a:normAutofit fontScale="92500"/>
+            <a:normAutofit/>
           </a:bodyPr>
           <a:lstStyle/>
           <a:p>
@@ -5763,11 +5990,39 @@
               <a:buNone/>
             </a:pPr>
             <a:r>
-              <a:rPr lang="ru-RU" dirty="0" smtClean="0"/>
-              <a:t>Для решения поставленной задачи было решено разделить весь функционал программы на 3 файла</a:t>
-            </a:r>
-            <a:r>
-              <a:rPr lang="en-US" dirty="0" smtClean="0"/>
+              <a:rPr lang="ru-RU" dirty="0">
+                <a:latin typeface="Calibri" pitchFamily="34" charset="0"/>
+              </a:rPr>
+              <a:t>Б</a:t>
+            </a:r>
+            <a:r>
+              <a:rPr lang="ru-RU" dirty="0" smtClean="0">
+                <a:latin typeface="Calibri" pitchFamily="34" charset="0"/>
+              </a:rPr>
+              <a:t>ыло </a:t>
+            </a:r>
+            <a:r>
+              <a:rPr lang="ru-RU" dirty="0" smtClean="0">
+                <a:latin typeface="Calibri" pitchFamily="34" charset="0"/>
+              </a:rPr>
+              <a:t>принято </a:t>
+            </a:r>
+            <a:r>
+              <a:rPr lang="ru-RU" dirty="0" smtClean="0">
+                <a:latin typeface="Calibri" pitchFamily="34" charset="0"/>
+              </a:rPr>
+              <a:t>решение </a:t>
+            </a:r>
+            <a:r>
+              <a:rPr lang="ru-RU" dirty="0" smtClean="0">
+                <a:latin typeface="Calibri" pitchFamily="34" charset="0"/>
+              </a:rPr>
+              <a:t>разделить весь функционал программы на 3 файла</a:t>
+            </a:r>
+            <a:r>
+              <a:rPr lang="en-US" dirty="0" smtClean="0">
+                <a:latin typeface="Calibri" pitchFamily="34" charset="0"/>
+              </a:rPr>
               <a:t>:</a:t>
             </a:r>
           </a:p>
@@ -5830,18 +6085,26 @@
               <a:buNone/>
             </a:pPr>
             <a:r>
-              <a:rPr lang="ru-RU" dirty="0" smtClean="0"/>
+              <a:rPr lang="ru-RU" dirty="0" smtClean="0">
+                <a:latin typeface="Calibri" pitchFamily="34" charset="0"/>
+              </a:rPr>
               <a:t>Каждый из них обладает определённым набором классов и функций</a:t>
             </a:r>
             <a:r>
-              <a:rPr lang="en-US" dirty="0" smtClean="0"/>
+              <a:rPr lang="en-US" dirty="0" smtClean="0">
+                <a:latin typeface="Calibri" pitchFamily="34" charset="0"/>
+              </a:rPr>
               <a:t>,</a:t>
             </a:r>
             <a:r>
-              <a:rPr lang="ru-RU" dirty="0" smtClean="0"/>
+              <a:rPr lang="ru-RU" dirty="0" smtClean="0">
+                <a:latin typeface="Calibri" pitchFamily="34" charset="0"/>
+              </a:rPr>
               <a:t> необходимых для решения различных задач.</a:t>
             </a:r>
-            <a:endParaRPr lang="ru-RU" dirty="0"/>
+            <a:endParaRPr lang="ru-RU" dirty="0">
+              <a:latin typeface="Calibri" pitchFamily="34" charset="0"/>
+            </a:endParaRPr>
           </a:p>
         </p:txBody>
       </p:sp>
@@ -5855,6 +6118,9 @@
   <p:clrMapOvr>
     <a:masterClrMapping/>
   </p:clrMapOvr>
+  <p:transition>
+    <p:fade/>
+  </p:transition>
   <p:timing>
     <p:tnLst>
       <p:par>
@@ -5898,35 +6164,168 @@
           <a:lstStyle/>
           <a:p>
             <a:r>
+              <a:rPr lang="en-US" sz="4000" dirty="0" smtClean="0">
+                <a:latin typeface="Consolas" pitchFamily="49" charset="0"/>
+                <a:cs typeface="Consolas" pitchFamily="49" charset="0"/>
+              </a:rPr>
+              <a:t>graph_window</a:t>
+            </a:r>
+            <a:endParaRPr lang="ru-RU" sz="4000" dirty="0">
+              <a:latin typeface="Consolas" pitchFamily="49" charset="0"/>
+              <a:cs typeface="Consolas" pitchFamily="49" charset="0"/>
+            </a:endParaRPr>
+          </a:p>
+        </p:txBody>
+      </p:sp>
+      <p:sp>
+        <p:nvSpPr>
+          <p:cNvPr id="3" name="Объект 2"/>
+          <p:cNvSpPr>
+            <a:spLocks noGrp="1"/>
+          </p:cNvSpPr>
+          <p:nvPr>
+            <p:ph idx="1"/>
+          </p:nvPr>
+        </p:nvSpPr>
+        <p:spPr/>
+        <p:txBody>
+          <a:bodyPr>
+            <a:normAutofit/>
+          </a:bodyPr>
+          <a:lstStyle/>
+          <a:p>
+            <a:pPr algn="just">
+              <a:buNone/>
+            </a:pPr>
+            <a:r>
+              <a:rPr lang="ru-RU" dirty="0" smtClean="0">
+                <a:latin typeface="Calibri" pitchFamily="34" charset="0"/>
+              </a:rPr>
+              <a:t>Файл содержит основные классы для</a:t>
+            </a:r>
+            <a:r>
+              <a:rPr lang="en-US" dirty="0" smtClean="0">
+                <a:latin typeface="Calibri" pitchFamily="34" charset="0"/>
+              </a:rPr>
+              <a:t> </a:t>
+            </a:r>
+            <a:r>
+              <a:rPr lang="ru-RU" dirty="0" smtClean="0">
+                <a:latin typeface="Calibri" pitchFamily="34" charset="0"/>
+              </a:rPr>
+              <a:t>описания </a:t>
+            </a:r>
+            <a:r>
               <a:rPr lang="en-US" dirty="0" smtClean="0">
                 <a:latin typeface="Consolas" pitchFamily="49" charset="0"/>
                 <a:cs typeface="Consolas" pitchFamily="49" charset="0"/>
               </a:rPr>
-              <a:t>graph_window</a:t>
-            </a:r>
-            <a:endParaRPr lang="ru-RU" dirty="0">
+              <a:t>GUI</a:t>
+            </a:r>
+            <a:r>
+              <a:rPr lang="ru-RU" dirty="0" smtClean="0"/>
+              <a:t>. </a:t>
+            </a:r>
+            <a:r>
+              <a:rPr lang="ru-RU" dirty="0" smtClean="0">
+                <a:latin typeface="Calibri" pitchFamily="34" charset="0"/>
+              </a:rPr>
+              <a:t>Среди них</a:t>
+            </a:r>
+            <a:r>
+              <a:rPr lang="en-US" dirty="0" smtClean="0"/>
+              <a:t>:</a:t>
+            </a:r>
+          </a:p>
+          <a:p>
+            <a:pPr algn="just"/>
+            <a:r>
+              <a:rPr lang="en-US" dirty="0" err="1" smtClean="0">
+                <a:latin typeface="Consolas" pitchFamily="49" charset="0"/>
+                <a:cs typeface="Consolas" pitchFamily="49" charset="0"/>
+              </a:rPr>
+              <a:t>MainWindow</a:t>
+            </a:r>
+            <a:r>
+              <a:rPr lang="en-US" dirty="0" smtClean="0"/>
+              <a:t> – </a:t>
+            </a:r>
+            <a:r>
+              <a:rPr lang="ru-RU" dirty="0" smtClean="0">
+                <a:latin typeface="Calibri" pitchFamily="34" charset="0"/>
+              </a:rPr>
+              <a:t>содержит оформление основного окна</a:t>
+            </a:r>
+            <a:r>
+              <a:rPr lang="en-US" dirty="0" smtClean="0">
+                <a:latin typeface="Calibri" pitchFamily="34" charset="0"/>
+              </a:rPr>
+              <a:t>,</a:t>
+            </a:r>
+            <a:r>
+              <a:rPr lang="ru-RU" dirty="0" smtClean="0">
+                <a:latin typeface="Calibri" pitchFamily="34" charset="0"/>
+              </a:rPr>
+              <a:t> в нем находится </a:t>
+            </a:r>
+            <a:r>
+              <a:rPr lang="en-US" dirty="0" err="1" smtClean="0">
+                <a:latin typeface="Consolas" pitchFamily="49" charset="0"/>
+                <a:cs typeface="Consolas" pitchFamily="49" charset="0"/>
+              </a:rPr>
+              <a:t>TableWidget</a:t>
+            </a:r>
+            <a:r>
+              <a:rPr lang="en-US" dirty="0" smtClean="0"/>
+              <a:t>.</a:t>
+            </a:r>
+          </a:p>
+          <a:p>
+            <a:pPr algn="just"/>
+            <a:r>
+              <a:rPr lang="en-US" dirty="0" err="1" smtClean="0">
+                <a:latin typeface="Consolas" pitchFamily="49" charset="0"/>
+                <a:cs typeface="Consolas" pitchFamily="49" charset="0"/>
+              </a:rPr>
+              <a:t>TableWidget</a:t>
+            </a:r>
+            <a:r>
+              <a:rPr lang="en-US" dirty="0" smtClean="0"/>
+              <a:t> – </a:t>
+            </a:r>
+            <a:r>
+              <a:rPr lang="ru-RU" dirty="0" smtClean="0">
+                <a:latin typeface="Calibri" pitchFamily="34" charset="0"/>
+              </a:rPr>
+              <a:t>класс содержащий в себе 3 </a:t>
+            </a:r>
+            <a:r>
+              <a:rPr lang="ru-RU" dirty="0" err="1" smtClean="0">
+                <a:latin typeface="Calibri" pitchFamily="34" charset="0"/>
+              </a:rPr>
+              <a:t>виджета</a:t>
+            </a:r>
+            <a:r>
+              <a:rPr lang="en-US" dirty="0" smtClean="0">
+                <a:latin typeface="Calibri" pitchFamily="34" charset="0"/>
+              </a:rPr>
+              <a:t>,</a:t>
+            </a:r>
+            <a:r>
+              <a:rPr lang="ru-RU" dirty="0" smtClean="0">
+                <a:latin typeface="Calibri" pitchFamily="34" charset="0"/>
+              </a:rPr>
+              <a:t> которые являются вкладками. В нём обрабатываются и передаются переменные между вкладками.</a:t>
+            </a:r>
+          </a:p>
+          <a:p>
+            <a:pPr>
+              <a:buNone/>
+            </a:pPr>
+            <a:endParaRPr lang="en-US" dirty="0" smtClean="0">
               <a:latin typeface="Consolas" pitchFamily="49" charset="0"/>
               <a:cs typeface="Consolas" pitchFamily="49" charset="0"/>
             </a:endParaRPr>
-          </a:p>
-        </p:txBody>
-      </p:sp>
-      <p:sp>
-        <p:nvSpPr>
-          <p:cNvPr id="3" name="Объект 2"/>
-          <p:cNvSpPr>
-            <a:spLocks noGrp="1"/>
-          </p:cNvSpPr>
-          <p:nvPr>
-            <p:ph idx="1"/>
-          </p:nvPr>
-        </p:nvSpPr>
-        <p:spPr/>
-        <p:txBody>
-          <a:bodyPr/>
-          <a:lstStyle/>
-          <a:p>
-            <a:endParaRPr lang="ru-RU" dirty="0"/>
           </a:p>
         </p:txBody>
       </p:sp>
@@ -5940,6 +6339,9 @@
   <p:clrMapOvr>
     <a:masterClrMapping/>
   </p:clrMapOvr>
+  <p:transition>
+    <p:fade/>
+  </p:transition>
   <p:timing>
     <p:tnLst>
       <p:par>
@@ -5969,69 +6371,132 @@
       </p:grpSpPr>
       <p:sp>
         <p:nvSpPr>
-          <p:cNvPr id="2" name="Заголовок 1"/>
-          <p:cNvSpPr>
-            <a:spLocks noGrp="1"/>
-          </p:cNvSpPr>
-          <p:nvPr>
-            <p:ph type="title"/>
-          </p:nvPr>
-        </p:nvSpPr>
-        <p:spPr/>
+          <p:cNvPr id="3" name="Содержимое 2"/>
+          <p:cNvSpPr>
+            <a:spLocks noGrp="1"/>
+          </p:cNvSpPr>
+          <p:nvPr>
+            <p:ph idx="1"/>
+          </p:nvPr>
+        </p:nvSpPr>
+        <p:spPr>
+          <a:xfrm>
+            <a:off x="1463040" y="1214422"/>
+            <a:ext cx="6196405" cy="4508647"/>
+          </a:xfrm>
+        </p:spPr>
         <p:txBody>
           <a:bodyPr/>
           <a:lstStyle/>
           <a:p>
             <a:r>
-              <a:rPr lang="en-US" dirty="0">
+              <a:rPr lang="en-US" dirty="0" err="1" smtClean="0">
                 <a:latin typeface="Consolas" pitchFamily="49" charset="0"/>
                 <a:cs typeface="Consolas" pitchFamily="49" charset="0"/>
               </a:rPr>
-              <a:t>t</a:t>
-            </a:r>
-            <a:r>
-              <a:rPr lang="en-US" dirty="0" smtClean="0">
+              <a:t>MenuTab</a:t>
+            </a:r>
+            <a:r>
+              <a:rPr lang="en-US" dirty="0" smtClean="0"/>
+              <a:t>: </a:t>
+            </a:r>
+            <a:r>
+              <a:rPr lang="ru-RU" dirty="0" smtClean="0">
+                <a:latin typeface="Calibri" pitchFamily="34" charset="0"/>
+              </a:rPr>
+              <a:t>класс описывает </a:t>
+            </a:r>
+            <a:r>
+              <a:rPr lang="ru-RU" dirty="0" err="1" smtClean="0">
+                <a:latin typeface="Calibri" pitchFamily="34" charset="0"/>
+              </a:rPr>
+              <a:t>виджет</a:t>
+            </a:r>
+            <a:r>
+              <a:rPr lang="ru-RU" dirty="0" smtClean="0">
+                <a:latin typeface="Calibri" pitchFamily="34" charset="0"/>
+              </a:rPr>
+              <a:t> первой вкладки.</a:t>
+            </a:r>
+            <a:endParaRPr lang="en-US" dirty="0" smtClean="0">
+              <a:latin typeface="Calibri" pitchFamily="34" charset="0"/>
+            </a:endParaRPr>
+          </a:p>
+          <a:p>
+            <a:r>
+              <a:rPr lang="en-US" dirty="0" err="1" smtClean="0">
                 <a:latin typeface="Consolas" pitchFamily="49" charset="0"/>
                 <a:cs typeface="Consolas" pitchFamily="49" charset="0"/>
               </a:rPr>
-              <a:t>ime_works</a:t>
+              <a:t>SetupTab</a:t>
+            </a:r>
+            <a:r>
+              <a:rPr lang="en-US" dirty="0" smtClean="0"/>
+              <a:t>: </a:t>
+            </a:r>
+            <a:r>
+              <a:rPr lang="ru-RU" dirty="0" smtClean="0">
+                <a:latin typeface="Calibri" pitchFamily="34" charset="0"/>
+              </a:rPr>
+              <a:t>класс описывает </a:t>
+            </a:r>
+            <a:r>
+              <a:rPr lang="ru-RU" dirty="0" err="1" smtClean="0">
+                <a:latin typeface="Calibri" pitchFamily="34" charset="0"/>
+              </a:rPr>
+              <a:t>виджет</a:t>
+            </a:r>
+            <a:r>
+              <a:rPr lang="ru-RU" dirty="0" smtClean="0">
+                <a:latin typeface="Calibri" pitchFamily="34" charset="0"/>
+              </a:rPr>
+              <a:t> второй вкладки</a:t>
+            </a:r>
+            <a:r>
+              <a:rPr lang="en-US" dirty="0" smtClean="0">
+                <a:latin typeface="Calibri" pitchFamily="34" charset="0"/>
+              </a:rPr>
+              <a:t>,</a:t>
+            </a:r>
+            <a:r>
+              <a:rPr lang="ru-RU" dirty="0" smtClean="0">
+                <a:latin typeface="Calibri" pitchFamily="34" charset="0"/>
+              </a:rPr>
+              <a:t> в котором задаются параметры.</a:t>
+            </a:r>
+          </a:p>
+          <a:p>
+            <a:r>
+              <a:rPr lang="en-US" dirty="0" err="1" smtClean="0">
+                <a:latin typeface="Consolas" pitchFamily="49" charset="0"/>
+                <a:cs typeface="Consolas" pitchFamily="49" charset="0"/>
+              </a:rPr>
+              <a:t>GraphTab</a:t>
+            </a:r>
+            <a:r>
+              <a:rPr lang="en-US" dirty="0" smtClean="0"/>
+              <a:t>: </a:t>
+            </a:r>
+            <a:r>
+              <a:rPr lang="ru-RU" dirty="0" smtClean="0">
+                <a:latin typeface="Calibri" pitchFamily="34" charset="0"/>
+              </a:rPr>
+              <a:t>класс содержит описание 3 вкладки – графика.</a:t>
             </a:r>
             <a:endParaRPr lang="ru-RU" dirty="0">
-              <a:latin typeface="Consolas" pitchFamily="49" charset="0"/>
-              <a:cs typeface="Consolas" pitchFamily="49" charset="0"/>
+              <a:latin typeface="Calibri" pitchFamily="34" charset="0"/>
             </a:endParaRPr>
           </a:p>
         </p:txBody>
       </p:sp>
-      <p:sp>
-        <p:nvSpPr>
-          <p:cNvPr id="3" name="Объект 2"/>
-          <p:cNvSpPr>
-            <a:spLocks noGrp="1"/>
-          </p:cNvSpPr>
-          <p:nvPr>
-            <p:ph idx="1"/>
-          </p:nvPr>
-        </p:nvSpPr>
-        <p:spPr/>
-        <p:txBody>
-          <a:bodyPr/>
-          <a:lstStyle/>
-          <a:p>
-            <a:endParaRPr lang="ru-RU" dirty="0"/>
-          </a:p>
-        </p:txBody>
-      </p:sp>
     </p:spTree>
-    <p:extLst>
-      <p:ext uri="{BB962C8B-B14F-4D97-AF65-F5344CB8AC3E}">
-        <p14:creationId xmlns:p14="http://schemas.microsoft.com/office/powerpoint/2010/main" val="1270806246"/>
-      </p:ext>
-    </p:extLst>
   </p:cSld>
   <p:clrMapOvr>
     <a:masterClrMapping/>
   </p:clrMapOvr>
+  <p:transition>
+    <p:fade/>
+  </p:transition>
   <p:timing>
     <p:tnLst>
       <p:par>
@@ -6075,35 +6540,103 @@
           <a:lstStyle/>
           <a:p>
             <a:r>
+              <a:rPr lang="en-US" sz="4000" dirty="0">
+                <a:latin typeface="Consolas" pitchFamily="49" charset="0"/>
+                <a:cs typeface="Consolas" pitchFamily="49" charset="0"/>
+              </a:rPr>
+              <a:t>t</a:t>
+            </a:r>
+            <a:r>
+              <a:rPr lang="en-US" sz="4000" dirty="0" smtClean="0">
+                <a:latin typeface="Consolas" pitchFamily="49" charset="0"/>
+                <a:cs typeface="Consolas" pitchFamily="49" charset="0"/>
+              </a:rPr>
+              <a:t>ime_works</a:t>
+            </a:r>
+            <a:endParaRPr lang="ru-RU" sz="4000" dirty="0">
+              <a:latin typeface="Consolas" pitchFamily="49" charset="0"/>
+              <a:cs typeface="Consolas" pitchFamily="49" charset="0"/>
+            </a:endParaRPr>
+          </a:p>
+        </p:txBody>
+      </p:sp>
+      <p:sp>
+        <p:nvSpPr>
+          <p:cNvPr id="3" name="Объект 2"/>
+          <p:cNvSpPr>
+            <a:spLocks noGrp="1"/>
+          </p:cNvSpPr>
+          <p:nvPr>
+            <p:ph idx="1"/>
+          </p:nvPr>
+        </p:nvSpPr>
+        <p:spPr/>
+        <p:txBody>
+          <a:bodyPr/>
+          <a:lstStyle/>
+          <a:p>
+            <a:pPr>
+              <a:buNone/>
+            </a:pPr>
+            <a:r>
+              <a:rPr lang="ru-RU" dirty="0" smtClean="0">
+                <a:latin typeface="Calibri" pitchFamily="34" charset="0"/>
+              </a:rPr>
+              <a:t>Содержит 2 класса</a:t>
+            </a:r>
+          </a:p>
+          <a:p>
+            <a:r>
+              <a:rPr lang="en-US" dirty="0" err="1" smtClean="0">
+                <a:latin typeface="Consolas" pitchFamily="49" charset="0"/>
+                <a:cs typeface="Consolas" pitchFamily="49" charset="0"/>
+              </a:rPr>
+              <a:t>TimeDelta</a:t>
+            </a:r>
+            <a:r>
+              <a:rPr lang="ru-RU" dirty="0" smtClean="0"/>
+              <a:t> – </a:t>
+            </a:r>
+            <a:r>
+              <a:rPr lang="ru-RU" dirty="0" smtClean="0">
+                <a:latin typeface="Calibri" pitchFamily="34" charset="0"/>
+              </a:rPr>
+              <a:t>позволяет работать с промежутками времени.</a:t>
+            </a:r>
+          </a:p>
+          <a:p>
+            <a:r>
               <a:rPr lang="en-US" dirty="0" smtClean="0">
                 <a:latin typeface="Consolas" pitchFamily="49" charset="0"/>
                 <a:cs typeface="Consolas" pitchFamily="49" charset="0"/>
               </a:rPr>
-              <a:t>style</a:t>
+              <a:t>Ticks</a:t>
+            </a:r>
+            <a:r>
+              <a:rPr lang="en-US" dirty="0" smtClean="0"/>
+              <a:t> – </a:t>
+            </a:r>
+            <a:r>
+              <a:rPr lang="ru-RU" dirty="0" smtClean="0">
+                <a:latin typeface="Calibri" pitchFamily="34" charset="0"/>
+              </a:rPr>
+              <a:t>содержит методы</a:t>
+            </a:r>
+            <a:r>
+              <a:rPr lang="en-US" dirty="0" smtClean="0">
+                <a:latin typeface="Calibri" pitchFamily="34" charset="0"/>
+              </a:rPr>
+              <a:t>,</a:t>
+            </a:r>
+            <a:r>
+              <a:rPr lang="ru-RU" dirty="0" smtClean="0">
+                <a:latin typeface="Calibri" pitchFamily="34" charset="0"/>
+              </a:rPr>
+              <a:t> позволяющие получить значения биоритмов по заданному промежутку.</a:t>
             </a:r>
             <a:endParaRPr lang="ru-RU" dirty="0">
-              <a:latin typeface="Consolas" pitchFamily="49" charset="0"/>
-              <a:cs typeface="Consolas" pitchFamily="49" charset="0"/>
+              <a:latin typeface="Calibri" pitchFamily="34" charset="0"/>
             </a:endParaRPr>
-          </a:p>
-        </p:txBody>
-      </p:sp>
-      <p:sp>
-        <p:nvSpPr>
-          <p:cNvPr id="3" name="Объект 2"/>
-          <p:cNvSpPr>
-            <a:spLocks noGrp="1"/>
-          </p:cNvSpPr>
-          <p:nvPr>
-            <p:ph idx="1"/>
-          </p:nvPr>
-        </p:nvSpPr>
-        <p:spPr/>
-        <p:txBody>
-          <a:bodyPr/>
-          <a:lstStyle/>
-          <a:p>
-            <a:endParaRPr lang="ru-RU" dirty="0"/>
           </a:p>
         </p:txBody>
       </p:sp>
@@ -6117,6 +6650,9 @@
   <p:clrMapOvr>
     <a:masterClrMapping/>
   </p:clrMapOvr>
+  <p:transition>
+    <p:fade/>
+  </p:transition>
   <p:timing>
     <p:tnLst>
       <p:par>
@@ -6156,19 +6692,19 @@
         </p:nvSpPr>
         <p:spPr/>
         <p:txBody>
-          <a:bodyPr>
-            <a:normAutofit/>
-          </a:bodyPr>
-          <a:lstStyle/>
-          <a:p>
-            <a:r>
-              <a:rPr lang="ru-RU" sz="3800" dirty="0" smtClean="0">
-                <a:latin typeface="Cambria" pitchFamily="18" charset="0"/>
-              </a:rPr>
-              <a:t>Возможности развития</a:t>
-            </a:r>
-            <a:endParaRPr lang="ru-RU" sz="3800" dirty="0">
-              <a:latin typeface="Cambria" pitchFamily="18" charset="0"/>
+          <a:bodyPr/>
+          <a:lstStyle/>
+          <a:p>
+            <a:r>
+              <a:rPr lang="en-US" sz="4000" dirty="0" smtClean="0">
+                <a:latin typeface="Consolas" pitchFamily="49" charset="0"/>
+                <a:cs typeface="Consolas" pitchFamily="49" charset="0"/>
+              </a:rPr>
+              <a:t>style</a:t>
+            </a:r>
+            <a:endParaRPr lang="ru-RU" sz="4000" dirty="0">
+              <a:latin typeface="Consolas" pitchFamily="49" charset="0"/>
+              <a:cs typeface="Consolas" pitchFamily="49" charset="0"/>
             </a:endParaRPr>
           </a:p>
         </p:txBody>
@@ -6188,20 +6724,125 @@
           <a:bodyPr/>
           <a:lstStyle/>
           <a:p>
-            <a:endParaRPr lang="ru-RU" dirty="0"/>
+            <a:pPr>
+              <a:buNone/>
+            </a:pPr>
+            <a:r>
+              <a:rPr lang="ru-RU" dirty="0" smtClean="0">
+                <a:latin typeface="Calibri" pitchFamily="34" charset="0"/>
+              </a:rPr>
+              <a:t>Содержит класс </a:t>
+            </a:r>
+            <a:r>
+              <a:rPr lang="en-US" dirty="0" smtClean="0">
+                <a:latin typeface="Consolas" pitchFamily="49" charset="0"/>
+                <a:cs typeface="Consolas" pitchFamily="49" charset="0"/>
+              </a:rPr>
+              <a:t>Style</a:t>
+            </a:r>
+            <a:r>
+              <a:rPr lang="ru-RU" dirty="0" smtClean="0">
+                <a:latin typeface="Calibri" pitchFamily="34" charset="0"/>
+              </a:rPr>
+              <a:t>. Он используется для того чтобы не загромождать основной код дизайнерскими описаниями </a:t>
+            </a:r>
+            <a:r>
+              <a:rPr lang="ru-RU" dirty="0" err="1" smtClean="0">
+                <a:latin typeface="Calibri" pitchFamily="34" charset="0"/>
+              </a:rPr>
+              <a:t>виджетов</a:t>
+            </a:r>
+            <a:r>
+              <a:rPr lang="ru-RU" dirty="0" smtClean="0">
+                <a:latin typeface="Calibri" pitchFamily="34" charset="0"/>
+              </a:rPr>
+              <a:t>. Т.е содержит общие стили для каждого типа </a:t>
+            </a:r>
+            <a:r>
+              <a:rPr lang="ru-RU" dirty="0" err="1" smtClean="0">
+                <a:latin typeface="Calibri" pitchFamily="34" charset="0"/>
+              </a:rPr>
+              <a:t>виджетов</a:t>
+            </a:r>
+            <a:r>
+              <a:rPr lang="en-US" dirty="0" smtClean="0">
+                <a:latin typeface="Calibri" pitchFamily="34" charset="0"/>
+              </a:rPr>
+              <a:t>,</a:t>
+            </a:r>
+            <a:r>
+              <a:rPr lang="ru-RU" dirty="0" smtClean="0">
+                <a:latin typeface="Calibri" pitchFamily="34" charset="0"/>
+              </a:rPr>
+              <a:t> использующихся в программе.</a:t>
+            </a:r>
+          </a:p>
+          <a:p>
+            <a:pPr>
+              <a:buNone/>
+            </a:pPr>
+            <a:r>
+              <a:rPr lang="ru-RU" dirty="0" smtClean="0">
+                <a:latin typeface="Calibri" pitchFamily="34" charset="0"/>
+              </a:rPr>
+              <a:t>Благодаря этому классу можно</a:t>
+            </a:r>
+            <a:r>
+              <a:rPr lang="en-US" dirty="0" smtClean="0">
+                <a:latin typeface="Calibri" pitchFamily="34" charset="0"/>
+              </a:rPr>
+              <a:t>,</a:t>
+            </a:r>
+            <a:r>
+              <a:rPr lang="ru-RU" dirty="0" smtClean="0">
+                <a:latin typeface="Calibri" pitchFamily="34" charset="0"/>
+              </a:rPr>
+              <a:t> например</a:t>
+            </a:r>
+            <a:r>
+              <a:rPr lang="en-US" dirty="0" smtClean="0">
+                <a:latin typeface="Calibri" pitchFamily="34" charset="0"/>
+              </a:rPr>
+              <a:t>,</a:t>
+            </a:r>
+            <a:r>
+              <a:rPr lang="ru-RU" dirty="0" smtClean="0">
+                <a:latin typeface="Calibri" pitchFamily="34" charset="0"/>
+              </a:rPr>
+              <a:t> в одну строчку определить </a:t>
+            </a:r>
+            <a:r>
+              <a:rPr lang="en-US" dirty="0" err="1" smtClean="0">
+                <a:latin typeface="Consolas" pitchFamily="49" charset="0"/>
+                <a:cs typeface="Consolas" pitchFamily="49" charset="0"/>
+              </a:rPr>
+              <a:t>QLabel</a:t>
+            </a:r>
+            <a:r>
+              <a:rPr lang="ru-RU" dirty="0" smtClean="0">
+                <a:latin typeface="Calibri" pitchFamily="34" charset="0"/>
+              </a:rPr>
+              <a:t>. При этом автоматически подберётся цвет и шрифт.</a:t>
+            </a:r>
+            <a:endParaRPr lang="ru-RU" dirty="0">
+              <a:latin typeface="Calibri" pitchFamily="34" charset="0"/>
+            </a:endParaRPr>
           </a:p>
         </p:txBody>
       </p:sp>
     </p:spTree>
     <p:extLst>
       <p:ext uri="{BB962C8B-B14F-4D97-AF65-F5344CB8AC3E}">
-        <p14:creationId xmlns:p14="http://schemas.microsoft.com/office/powerpoint/2010/main" val="2037346853"/>
+        <p14:creationId xmlns:p14="http://schemas.microsoft.com/office/powerpoint/2010/main" val="1270806246"/>
       </p:ext>
     </p:extLst>
   </p:cSld>
   <p:clrMapOvr>
     <a:masterClrMapping/>
   </p:clrMapOvr>
+  <p:transition>
+    <p:fade/>
+  </p:transition>
   <p:timing>
     <p:tnLst>
       <p:par>
